--- a/Final Project/finalprojprop.pptx
+++ b/Final Project/finalprojprop.pptx
@@ -245,7 +245,7 @@
           <a:p>
             <a:fld id="{63A1C593-65D0-4073-BCC9-577B9352EA97}" type="datetimeFigureOut">
               <a:rPr lang="en-US" smtClean="0"/>
-              <a:t>11/9/2022</a:t>
+              <a:t>11/9/22</a:t>
             </a:fld>
             <a:endParaRPr lang="en-US"/>
           </a:p>
@@ -408,7 +408,7 @@
           <a:p>
             <a:fld id="{63A1C593-65D0-4073-BCC9-577B9352EA97}" type="datetimeFigureOut">
               <a:rPr lang="en-US" smtClean="0"/>
-              <a:t>11/9/2022</a:t>
+              <a:t>11/9/22</a:t>
             </a:fld>
             <a:endParaRPr lang="en-US"/>
           </a:p>
@@ -581,7 +581,7 @@
           <a:p>
             <a:fld id="{63A1C593-65D0-4073-BCC9-577B9352EA97}" type="datetimeFigureOut">
               <a:rPr lang="en-US" smtClean="0"/>
-              <a:t>11/9/2022</a:t>
+              <a:t>11/9/22</a:t>
             </a:fld>
             <a:endParaRPr lang="en-US"/>
           </a:p>
@@ -744,7 +744,7 @@
           <a:p>
             <a:fld id="{63A1C593-65D0-4073-BCC9-577B9352EA97}" type="datetimeFigureOut">
               <a:rPr lang="en-US" smtClean="0"/>
-              <a:t>11/9/2022</a:t>
+              <a:t>11/9/22</a:t>
             </a:fld>
             <a:endParaRPr lang="en-US"/>
           </a:p>
@@ -984,7 +984,7 @@
           <a:p>
             <a:fld id="{63A1C593-65D0-4073-BCC9-577B9352EA97}" type="datetimeFigureOut">
               <a:rPr lang="en-US" smtClean="0"/>
-              <a:t>11/9/2022</a:t>
+              <a:t>11/9/22</a:t>
             </a:fld>
             <a:endParaRPr lang="en-US"/>
           </a:p>
@@ -1208,7 +1208,7 @@
           <a:p>
             <a:fld id="{63A1C593-65D0-4073-BCC9-577B9352EA97}" type="datetimeFigureOut">
               <a:rPr lang="en-US" smtClean="0"/>
-              <a:t>11/9/2022</a:t>
+              <a:t>11/9/22</a:t>
             </a:fld>
             <a:endParaRPr lang="en-US"/>
           </a:p>
@@ -1567,7 +1567,7 @@
           <a:p>
             <a:fld id="{63A1C593-65D0-4073-BCC9-577B9352EA97}" type="datetimeFigureOut">
               <a:rPr lang="en-US" smtClean="0"/>
-              <a:t>11/9/2022</a:t>
+              <a:t>11/9/22</a:t>
             </a:fld>
             <a:endParaRPr lang="en-US"/>
           </a:p>
@@ -1679,7 +1679,7 @@
           <a:p>
             <a:fld id="{63A1C593-65D0-4073-BCC9-577B9352EA97}" type="datetimeFigureOut">
               <a:rPr lang="en-US" smtClean="0"/>
-              <a:t>11/9/2022</a:t>
+              <a:t>11/9/22</a:t>
             </a:fld>
             <a:endParaRPr lang="en-US"/>
           </a:p>
@@ -1769,7 +1769,7 @@
           <a:p>
             <a:fld id="{63A1C593-65D0-4073-BCC9-577B9352EA97}" type="datetimeFigureOut">
               <a:rPr lang="en-US" smtClean="0"/>
-              <a:t>11/9/2022</a:t>
+              <a:t>11/9/22</a:t>
             </a:fld>
             <a:endParaRPr lang="en-US"/>
           </a:p>
@@ -2039,7 +2039,7 @@
           <a:p>
             <a:fld id="{63A1C593-65D0-4073-BCC9-577B9352EA97}" type="datetimeFigureOut">
               <a:rPr lang="en-US" smtClean="0"/>
-              <a:t>11/9/2022</a:t>
+              <a:t>11/9/22</a:t>
             </a:fld>
             <a:endParaRPr lang="en-US"/>
           </a:p>
@@ -2286,7 +2286,7 @@
           <a:p>
             <a:fld id="{63A1C593-65D0-4073-BCC9-577B9352EA97}" type="datetimeFigureOut">
               <a:rPr lang="en-US" smtClean="0"/>
-              <a:t>11/9/2022</a:t>
+              <a:t>11/9/22</a:t>
             </a:fld>
             <a:endParaRPr lang="en-US"/>
           </a:p>
@@ -2492,7 +2492,7 @@
           <a:p>
             <a:fld id="{63A1C593-65D0-4073-BCC9-577B9352EA97}" type="datetimeFigureOut">
               <a:rPr lang="en-US" smtClean="0"/>
-              <a:t>11/9/2022</a:t>
+              <a:t>11/9/22</a:t>
             </a:fld>
             <a:endParaRPr lang="en-US"/>
           </a:p>
@@ -2918,7 +2918,7 @@
             </a:br>
             <a:r>
               <a:rPr lang="en-US" altLang="zh-CN" sz="4400" i="1" dirty="0"/>
-              <a:t>Your driveway smart guardian systems</a:t>
+              <a:t>Your driveway smart guardian system</a:t>
             </a:r>
             <a:endParaRPr lang="en-US" i="1" dirty="0"/>
           </a:p>
